--- a/Consumismo.pptx
+++ b/Consumismo.pptx
@@ -110,6 +110,11 @@
       </a:defRPr>
     </a:lvl9pPr>
   </p:defaultTextStyle>
+  <p:extLst>
+    <p:ext uri="{EFAFB233-063F-42B5-8137-9DF3F51BA10A}">
+      <p15:sldGuideLst xmlns:p15="http://schemas.microsoft.com/office/powerpoint/2012/main"/>
+    </p:ext>
+  </p:extLst>
 </p:presentation>
 </file>
 
@@ -449,7 +454,7 @@
             <a:fld id="{5923F103-BC34-4FE4-A40E-EDDEECFDA5D0}" type="datetimeFigureOut">
               <a:rPr lang="en-US" dirty="0"/>
               <a:pPr/>
-              <a:t>3/23/2024</a:t>
+              <a:t>3/25/2024</a:t>
             </a:fld>
             <a:endParaRPr lang="en-US" dirty="0"/>
           </a:p>
@@ -1537,7 +1542,7 @@
           <a:p>
             <a:fld id="{923A1CC3-2375-41D4-9E03-427CAF2A4C1A}" type="datetimeFigureOut">
               <a:rPr lang="en-US" dirty="0"/>
-              <a:t>3/23/2024</a:t>
+              <a:t>3/25/2024</a:t>
             </a:fld>
             <a:endParaRPr lang="en-US" dirty="0"/>
           </a:p>
@@ -2517,7 +2522,7 @@
           <a:p>
             <a:fld id="{AFF16868-8199-4C2C-A5B1-63AEE139F88E}" type="datetimeFigureOut">
               <a:rPr lang="en-US" dirty="0"/>
-              <a:t>3/23/2024</a:t>
+              <a:t>3/25/2024</a:t>
             </a:fld>
             <a:endParaRPr lang="en-US" dirty="0"/>
           </a:p>
@@ -3651,7 +3656,7 @@
           <a:p>
             <a:fld id="{AAD9FF7F-6988-44CC-821B-644E70CD2F73}" type="datetimeFigureOut">
               <a:rPr lang="en-US" dirty="0"/>
-              <a:t>3/23/2024</a:t>
+              <a:t>3/25/2024</a:t>
             </a:fld>
             <a:endParaRPr lang="en-US" dirty="0"/>
           </a:p>
@@ -4684,7 +4689,7 @@
           <a:p>
             <a:fld id="{5C12C299-16B2-4475-990D-751901EACC14}" type="datetimeFigureOut">
               <a:rPr lang="en-US" dirty="0"/>
-              <a:t>3/23/2024</a:t>
+              <a:t>3/25/2024</a:t>
             </a:fld>
             <a:endParaRPr lang="en-US" dirty="0"/>
           </a:p>
@@ -5344,7 +5349,7 @@
           <a:p>
             <a:fld id="{9FE86839-B9D8-4651-8783-F325ECE74E65}" type="datetimeFigureOut">
               <a:rPr lang="en-US" dirty="0"/>
-              <a:t>3/23/2024</a:t>
+              <a:t>3/25/2024</a:t>
             </a:fld>
             <a:endParaRPr lang="en-US" dirty="0"/>
           </a:p>
@@ -6205,7 +6210,7 @@
           <a:p>
             <a:fld id="{FD484F64-32F6-45C5-931F-ADC1662401D0}" type="datetimeFigureOut">
               <a:rPr lang="en-US" dirty="0"/>
-              <a:t>3/23/2024</a:t>
+              <a:t>3/25/2024</a:t>
             </a:fld>
             <a:endParaRPr lang="en-US" dirty="0"/>
           </a:p>
@@ -6395,7 +6400,7 @@
           <a:p>
             <a:fld id="{53086D93-FCAC-47E0-A2EE-787E62CA814C}" type="datetimeFigureOut">
               <a:rPr lang="en-US" dirty="0"/>
-              <a:t>3/23/2024</a:t>
+              <a:t>3/25/2024</a:t>
             </a:fld>
             <a:endParaRPr lang="en-US" dirty="0"/>
           </a:p>
@@ -7367,7 +7372,7 @@
           <a:p>
             <a:fld id="{CDA879A6-0FD0-4734-A311-86BFCA472E6E}" type="datetimeFigureOut">
               <a:rPr lang="en-US" dirty="0"/>
-              <a:t>3/23/2024</a:t>
+              <a:t>3/25/2024</a:t>
             </a:fld>
             <a:endParaRPr lang="en-US" dirty="0"/>
           </a:p>
@@ -7578,7 +7583,7 @@
           <a:p>
             <a:fld id="{19C9CA7B-DFD4-44B5-8C60-D14B8CD1FB59}" type="datetimeFigureOut">
               <a:rPr lang="en-US" dirty="0"/>
-              <a:t>3/23/2024</a:t>
+              <a:t>3/25/2024</a:t>
             </a:fld>
             <a:endParaRPr lang="en-US" dirty="0"/>
           </a:p>
@@ -8612,7 +8617,7 @@
           <a:p>
             <a:fld id="{F34E6425-0181-43F2-84FC-787E803FD2F8}" type="datetimeFigureOut">
               <a:rPr lang="en-US" dirty="0"/>
-              <a:t>3/23/2024</a:t>
+              <a:t>3/25/2024</a:t>
             </a:fld>
             <a:endParaRPr lang="en-US" dirty="0"/>
           </a:p>
@@ -8884,7 +8889,7 @@
           <a:p>
             <a:fld id="{3BDB8791-F1B0-41E7-B7FD-A781E65C4266}" type="datetimeFigureOut">
               <a:rPr lang="en-US" dirty="0"/>
-              <a:t>3/23/2024</a:t>
+              <a:t>3/25/2024</a:t>
             </a:fld>
             <a:endParaRPr lang="en-US" dirty="0"/>
           </a:p>
@@ -9294,7 +9299,7 @@
           <a:p>
             <a:fld id="{5FDD63B2-E120-4ED8-B27B-C685F510A5FE}" type="datetimeFigureOut">
               <a:rPr lang="en-US" dirty="0"/>
-              <a:t>3/23/2024</a:t>
+              <a:t>3/25/2024</a:t>
             </a:fld>
             <a:endParaRPr lang="en-US" dirty="0"/>
           </a:p>
@@ -9421,7 +9426,7 @@
           <a:p>
             <a:fld id="{7AA18ACC-A947-437B-A130-35BD54FDF1E9}" type="datetimeFigureOut">
               <a:rPr lang="en-US" dirty="0"/>
-              <a:t>3/23/2024</a:t>
+              <a:t>3/25/2024</a:t>
             </a:fld>
             <a:endParaRPr lang="en-US" dirty="0"/>
           </a:p>
@@ -9516,7 +9521,7 @@
           <a:p>
             <a:fld id="{7C8D7E02-BCB8-4D50-A234-369438C08659}" type="datetimeFigureOut">
               <a:rPr lang="en-US" dirty="0"/>
-              <a:t>3/23/2024</a:t>
+              <a:t>3/25/2024</a:t>
             </a:fld>
             <a:endParaRPr lang="en-US" dirty="0"/>
           </a:p>
@@ -10597,7 +10602,7 @@
           <a:p>
             <a:fld id="{76E86A4C-8E40-4F87-A4F0-01A0687C5742}" type="datetimeFigureOut">
               <a:rPr lang="en-US" dirty="0"/>
-              <a:t>3/23/2024</a:t>
+              <a:t>3/25/2024</a:t>
             </a:fld>
             <a:endParaRPr lang="en-US" dirty="0"/>
           </a:p>
@@ -11705,7 +11710,7 @@
           <a:p>
             <a:fld id="{35E72C73-2D91-4E12-BA25-F0AA0C03599B}" type="datetimeFigureOut">
               <a:rPr lang="en-US" dirty="0"/>
-              <a:t>3/23/2024</a:t>
+              <a:t>3/25/2024</a:t>
             </a:fld>
             <a:endParaRPr lang="en-US" dirty="0"/>
           </a:p>
@@ -12702,7 +12707,7 @@
           <a:p>
             <a:fld id="{2BE451C3-0FF4-47C4-B829-773ADF60F88C}" type="datetimeFigureOut">
               <a:rPr lang="en-US" dirty="0"/>
-              <a:t>3/23/2024</a:t>
+              <a:t>3/25/2024</a:t>
             </a:fld>
             <a:endParaRPr lang="en-US" dirty="0"/>
           </a:p>
@@ -13359,10 +13364,15 @@
             <a:spLocks noGrp="1"/>
           </p:cNvSpPr>
           <p:nvPr>
-            <p:ph type="title"/>
+            <p:ph type="ctrTitle"/>
           </p:nvPr>
         </p:nvSpPr>
-        <p:spPr/>
+        <p:spPr>
+          <a:xfrm>
+            <a:off x="1154955" y="901997"/>
+            <a:ext cx="8825658" cy="553315"/>
+          </a:xfrm>
+        </p:spPr>
         <p:txBody>
           <a:bodyPr/>
           <a:lstStyle/>
@@ -13382,85 +13392,210 @@
             <a:spLocks noGrp="1"/>
           </p:cNvSpPr>
           <p:nvPr>
-            <p:ph idx="1"/>
+            <p:ph type="subTitle" idx="1"/>
           </p:nvPr>
         </p:nvSpPr>
-        <p:spPr/>
+        <p:spPr>
+          <a:xfrm>
+            <a:off x="1154955" y="1609859"/>
+            <a:ext cx="8825658" cy="4443211"/>
+          </a:xfrm>
+        </p:spPr>
         <p:txBody>
-          <a:bodyPr/>
+          <a:bodyPr>
+            <a:normAutofit/>
+          </a:bodyPr>
           <a:lstStyle/>
           <a:p>
             <a:r>
-              <a:rPr lang="pt-BR" dirty="0" smtClean="0"/>
-              <a:t>É o consumo </a:t>
-            </a:r>
-            <a:r>
-              <a:rPr lang="pt-BR" dirty="0"/>
-              <a:t>excessivo e desenfreado de bens e serviços, muitas vezes </a:t>
-            </a:r>
-            <a:r>
-              <a:rPr lang="pt-BR" dirty="0" smtClean="0"/>
+              <a:rPr lang="pt-BR" dirty="0" smtClean="0">
+                <a:solidFill>
+                  <a:schemeClr val="bg1"/>
+                </a:solidFill>
+                <a:latin typeface="Arial" panose="020B0604020202020204" pitchFamily="34" charset="0"/>
+                <a:cs typeface="Arial" panose="020B0604020202020204" pitchFamily="34" charset="0"/>
+              </a:rPr>
+              <a:t>É </a:t>
+            </a:r>
+            <a:r>
+              <a:rPr lang="pt-BR" dirty="0" smtClean="0">
+                <a:solidFill>
+                  <a:schemeClr val="bg1"/>
+                </a:solidFill>
+                <a:latin typeface="Arial" panose="020B0604020202020204" pitchFamily="34" charset="0"/>
+                <a:cs typeface="Arial" panose="020B0604020202020204" pitchFamily="34" charset="0"/>
+              </a:rPr>
+              <a:t>o consumo </a:t>
+            </a:r>
+            <a:r>
+              <a:rPr lang="pt-BR" dirty="0">
+                <a:solidFill>
+                  <a:schemeClr val="bg1"/>
+                </a:solidFill>
+                <a:latin typeface="Arial" panose="020B0604020202020204" pitchFamily="34" charset="0"/>
+                <a:cs typeface="Arial" panose="020B0604020202020204" pitchFamily="34" charset="0"/>
+              </a:rPr>
+              <a:t>excessivo e desenfreado de bens e serviços, muitas </a:t>
+            </a:r>
+            <a:r>
+              <a:rPr lang="pt-BR" dirty="0" smtClean="0">
+                <a:solidFill>
+                  <a:schemeClr val="bg1"/>
+                </a:solidFill>
+                <a:latin typeface="Arial" panose="020B0604020202020204" pitchFamily="34" charset="0"/>
+                <a:cs typeface="Arial" panose="020B0604020202020204" pitchFamily="34" charset="0"/>
+              </a:rPr>
+              <a:t>vezes </a:t>
+            </a:r>
+            <a:r>
+              <a:rPr lang="pt-BR" dirty="0" smtClean="0">
+                <a:solidFill>
+                  <a:schemeClr val="bg1"/>
+                </a:solidFill>
+                <a:latin typeface="Arial" panose="020B0604020202020204" pitchFamily="34" charset="0"/>
+                <a:cs typeface="Arial" panose="020B0604020202020204" pitchFamily="34" charset="0"/>
+              </a:rPr>
               <a:t>sem as necessidade de </a:t>
             </a:r>
             <a:r>
-              <a:rPr lang="pt-BR" dirty="0" err="1" smtClean="0"/>
-              <a:t>te-los</a:t>
-            </a:r>
-            <a:r>
-              <a:rPr lang="pt-BR" dirty="0" smtClean="0"/>
-              <a:t>. </a:t>
-            </a:r>
-            <a:r>
-              <a:rPr lang="pt-BR" dirty="0"/>
+              <a:rPr lang="pt-BR" dirty="0" smtClean="0">
+                <a:solidFill>
+                  <a:schemeClr val="bg1"/>
+                </a:solidFill>
+                <a:latin typeface="Arial" panose="020B0604020202020204" pitchFamily="34" charset="0"/>
+                <a:cs typeface="Arial" panose="020B0604020202020204" pitchFamily="34" charset="0"/>
+              </a:rPr>
+              <a:t>tê-los. </a:t>
+            </a:r>
+            <a:r>
+              <a:rPr lang="pt-BR" dirty="0">
+                <a:solidFill>
+                  <a:schemeClr val="bg1"/>
+                </a:solidFill>
+                <a:latin typeface="Arial" panose="020B0604020202020204" pitchFamily="34" charset="0"/>
+                <a:cs typeface="Arial" panose="020B0604020202020204" pitchFamily="34" charset="0"/>
+              </a:rPr>
               <a:t>Ele é impulsionado por diversos fatores, incluindo influências culturais, </a:t>
             </a:r>
             <a:r>
-              <a:rPr lang="pt-BR" dirty="0" smtClean="0"/>
+              <a:rPr lang="pt-BR" dirty="0" smtClean="0">
+                <a:solidFill>
+                  <a:schemeClr val="bg1"/>
+                </a:solidFill>
+                <a:latin typeface="Arial" panose="020B0604020202020204" pitchFamily="34" charset="0"/>
+                <a:cs typeface="Arial" panose="020B0604020202020204" pitchFamily="34" charset="0"/>
+              </a:rPr>
               <a:t>publicidade, </a:t>
             </a:r>
             <a:r>
-              <a:rPr lang="pt-BR" dirty="0"/>
+              <a:rPr lang="pt-BR" dirty="0">
+                <a:solidFill>
+                  <a:schemeClr val="bg1"/>
+                </a:solidFill>
+                <a:latin typeface="Arial" panose="020B0604020202020204" pitchFamily="34" charset="0"/>
+                <a:cs typeface="Arial" panose="020B0604020202020204" pitchFamily="34" charset="0"/>
+              </a:rPr>
               <a:t>pressões sociais e a busca por status e identidade através do consumo</a:t>
             </a:r>
             <a:r>
-              <a:rPr lang="pt-BR" dirty="0" smtClean="0"/>
+              <a:rPr lang="pt-BR" dirty="0" smtClean="0">
+                <a:solidFill>
+                  <a:schemeClr val="bg1"/>
+                </a:solidFill>
+                <a:latin typeface="Arial" panose="020B0604020202020204" pitchFamily="34" charset="0"/>
+                <a:cs typeface="Arial" panose="020B0604020202020204" pitchFamily="34" charset="0"/>
+              </a:rPr>
               <a:t>.</a:t>
             </a:r>
           </a:p>
           <a:p>
             <a:r>
-              <a:rPr lang="pt-BR" dirty="0"/>
+              <a:rPr lang="pt-BR" dirty="0">
+                <a:solidFill>
+                  <a:schemeClr val="bg1"/>
+                </a:solidFill>
+                <a:latin typeface="Arial" panose="020B0604020202020204" pitchFamily="34" charset="0"/>
+                <a:cs typeface="Arial" panose="020B0604020202020204" pitchFamily="34" charset="0"/>
+              </a:rPr>
               <a:t>O</a:t>
             </a:r>
             <a:r>
-              <a:rPr lang="pt-BR" dirty="0" smtClean="0"/>
+              <a:rPr lang="pt-BR" dirty="0" smtClean="0">
+                <a:solidFill>
+                  <a:schemeClr val="bg1"/>
+                </a:solidFill>
+                <a:latin typeface="Arial" panose="020B0604020202020204" pitchFamily="34" charset="0"/>
+                <a:cs typeface="Arial" panose="020B0604020202020204" pitchFamily="34" charset="0"/>
+              </a:rPr>
               <a:t> </a:t>
             </a:r>
             <a:r>
-              <a:rPr lang="pt-BR" dirty="0"/>
+              <a:rPr lang="pt-BR" dirty="0">
+                <a:solidFill>
+                  <a:schemeClr val="bg1"/>
+                </a:solidFill>
+                <a:latin typeface="Arial" panose="020B0604020202020204" pitchFamily="34" charset="0"/>
+                <a:cs typeface="Arial" panose="020B0604020202020204" pitchFamily="34" charset="0"/>
+              </a:rPr>
               <a:t>ato de comprar é frequentemente utilizado como uma forma de satisfazer necessidades emocionais, como a busca por felicidade, status, </a:t>
             </a:r>
             <a:r>
-              <a:rPr lang="pt-BR" dirty="0" smtClean="0"/>
+              <a:rPr lang="pt-BR" dirty="0" smtClean="0">
+                <a:solidFill>
+                  <a:schemeClr val="bg1"/>
+                </a:solidFill>
+                <a:latin typeface="Arial" panose="020B0604020202020204" pitchFamily="34" charset="0"/>
+                <a:cs typeface="Arial" panose="020B0604020202020204" pitchFamily="34" charset="0"/>
+              </a:rPr>
               <a:t>ou </a:t>
             </a:r>
             <a:r>
-              <a:rPr lang="pt-BR" dirty="0"/>
+              <a:rPr lang="pt-BR" dirty="0">
+                <a:solidFill>
+                  <a:schemeClr val="bg1"/>
+                </a:solidFill>
+                <a:latin typeface="Arial" panose="020B0604020202020204" pitchFamily="34" charset="0"/>
+                <a:cs typeface="Arial" panose="020B0604020202020204" pitchFamily="34" charset="0"/>
+              </a:rPr>
               <a:t>autoestima, em vez de satisfazer necessidades básicas de </a:t>
             </a:r>
             <a:r>
-              <a:rPr lang="pt-BR" dirty="0" smtClean="0"/>
+              <a:rPr lang="pt-BR" dirty="0" smtClean="0">
+                <a:solidFill>
+                  <a:schemeClr val="bg1"/>
+                </a:solidFill>
+                <a:latin typeface="Arial" panose="020B0604020202020204" pitchFamily="34" charset="0"/>
+                <a:cs typeface="Arial" panose="020B0604020202020204" pitchFamily="34" charset="0"/>
+              </a:rPr>
               <a:t>sobrevivência. </a:t>
             </a:r>
             <a:r>
-              <a:rPr lang="pt-BR" dirty="0"/>
+              <a:rPr lang="pt-BR" dirty="0">
+                <a:solidFill>
+                  <a:schemeClr val="bg1"/>
+                </a:solidFill>
+                <a:latin typeface="Arial" panose="020B0604020202020204" pitchFamily="34" charset="0"/>
+                <a:cs typeface="Arial" panose="020B0604020202020204" pitchFamily="34" charset="0"/>
+              </a:rPr>
               <a:t>Isso pode levar ao endividamento, desperdício de recursos naturais, degradação ambiental e insatisfação pessoal, já que muitas vezes a gratificação é </a:t>
             </a:r>
             <a:r>
-              <a:rPr lang="pt-BR" dirty="0" smtClean="0"/>
+              <a:rPr lang="pt-BR" dirty="0" smtClean="0">
+                <a:solidFill>
+                  <a:schemeClr val="bg1"/>
+                </a:solidFill>
+                <a:latin typeface="Arial" panose="020B0604020202020204" pitchFamily="34" charset="0"/>
+                <a:cs typeface="Arial" panose="020B0604020202020204" pitchFamily="34" charset="0"/>
+              </a:rPr>
               <a:t>temporária.</a:t>
             </a:r>
-            <a:endParaRPr lang="pt-BR" dirty="0"/>
+            <a:endParaRPr lang="pt-BR" dirty="0">
+              <a:solidFill>
+                <a:schemeClr val="bg1"/>
+              </a:solidFill>
+              <a:latin typeface="Arial" panose="020B0604020202020204" pitchFamily="34" charset="0"/>
+              <a:cs typeface="Arial" panose="020B0604020202020204" pitchFamily="34" charset="0"/>
+            </a:endParaRPr>
           </a:p>
         </p:txBody>
       </p:sp>
@@ -13527,126 +13662,205 @@
             <p:ph idx="1"/>
           </p:nvPr>
         </p:nvSpPr>
-        <p:spPr/>
+        <p:spPr>
+          <a:xfrm>
+            <a:off x="1154954" y="2178497"/>
+            <a:ext cx="8825659" cy="3416300"/>
+          </a:xfrm>
+        </p:spPr>
         <p:txBody>
           <a:bodyPr>
-            <a:normAutofit fontScale="92500" lnSpcReduction="20000"/>
+            <a:noAutofit/>
           </a:bodyPr>
           <a:lstStyle/>
           <a:p>
             <a:r>
-              <a:rPr lang="pt-BR" dirty="0"/>
+              <a:rPr lang="pt-BR" dirty="0">
+                <a:latin typeface="Arial" panose="020B0604020202020204" pitchFamily="34" charset="0"/>
+                <a:cs typeface="Arial" panose="020B0604020202020204" pitchFamily="34" charset="0"/>
+              </a:rPr>
               <a:t>O</a:t>
             </a:r>
             <a:r>
-              <a:rPr lang="pt-BR" dirty="0" smtClean="0"/>
+              <a:rPr lang="pt-BR" dirty="0" smtClean="0">
+                <a:latin typeface="Arial" panose="020B0604020202020204" pitchFamily="34" charset="0"/>
+                <a:cs typeface="Arial" panose="020B0604020202020204" pitchFamily="34" charset="0"/>
+              </a:rPr>
               <a:t> </a:t>
             </a:r>
             <a:r>
-              <a:rPr lang="pt-BR" dirty="0"/>
+              <a:rPr lang="pt-BR" dirty="0">
+                <a:latin typeface="Arial" panose="020B0604020202020204" pitchFamily="34" charset="0"/>
+                <a:cs typeface="Arial" panose="020B0604020202020204" pitchFamily="34" charset="0"/>
+              </a:rPr>
               <a:t>consumismo pode ter consequências profundas em várias áreas de nossas vidas, desde o financeiro até o emocional e o ambiental. </a:t>
             </a:r>
             <a:r>
-              <a:rPr lang="pt-BR" dirty="0" smtClean="0"/>
+              <a:rPr lang="pt-BR" dirty="0" smtClean="0">
+                <a:latin typeface="Arial" panose="020B0604020202020204" pitchFamily="34" charset="0"/>
+                <a:cs typeface="Arial" panose="020B0604020202020204" pitchFamily="34" charset="0"/>
+              </a:rPr>
               <a:t> </a:t>
             </a:r>
           </a:p>
           <a:p>
             <a:r>
-              <a:rPr lang="pt-BR" dirty="0" smtClean="0"/>
+              <a:rPr lang="pt-BR" dirty="0" smtClean="0">
+                <a:latin typeface="Arial" panose="020B0604020202020204" pitchFamily="34" charset="0"/>
+                <a:cs typeface="Arial" panose="020B0604020202020204" pitchFamily="34" charset="0"/>
+              </a:rPr>
               <a:t>Pode nos afetar:</a:t>
             </a:r>
           </a:p>
           <a:p>
             <a:r>
-              <a:rPr lang="pt-BR" b="1" dirty="0" smtClean="0"/>
+              <a:rPr lang="pt-BR" b="1" dirty="0" smtClean="0">
+                <a:latin typeface="Arial" panose="020B0604020202020204" pitchFamily="34" charset="0"/>
+                <a:cs typeface="Arial" panose="020B0604020202020204" pitchFamily="34" charset="0"/>
+              </a:rPr>
               <a:t>Financeiramente</a:t>
             </a:r>
             <a:r>
-              <a:rPr lang="pt-BR" dirty="0" smtClean="0"/>
+              <a:rPr lang="pt-BR" dirty="0" smtClean="0">
+                <a:latin typeface="Arial" panose="020B0604020202020204" pitchFamily="34" charset="0"/>
+                <a:cs typeface="Arial" panose="020B0604020202020204" pitchFamily="34" charset="0"/>
+              </a:rPr>
               <a:t> - </a:t>
             </a:r>
             <a:r>
-              <a:rPr lang="pt-BR" dirty="0"/>
+              <a:rPr lang="pt-BR" dirty="0">
+                <a:latin typeface="Arial" panose="020B0604020202020204" pitchFamily="34" charset="0"/>
+                <a:cs typeface="Arial" panose="020B0604020202020204" pitchFamily="34" charset="0"/>
+              </a:rPr>
               <a:t>pode levar ao endividamento, pois as pessoas muitas vezes compram além de suas capacidades financeiras, buscando status ou satisfação instantânea</a:t>
             </a:r>
             <a:r>
-              <a:rPr lang="pt-BR" dirty="0" smtClean="0"/>
+              <a:rPr lang="pt-BR" dirty="0" smtClean="0">
+                <a:latin typeface="Arial" panose="020B0604020202020204" pitchFamily="34" charset="0"/>
+                <a:cs typeface="Arial" panose="020B0604020202020204" pitchFamily="34" charset="0"/>
+              </a:rPr>
               <a:t>.</a:t>
             </a:r>
           </a:p>
           <a:p>
             <a:r>
-              <a:rPr lang="pt-BR" b="1" dirty="0"/>
+              <a:rPr lang="pt-BR" b="1" dirty="0">
+                <a:latin typeface="Arial" panose="020B0604020202020204" pitchFamily="34" charset="0"/>
+                <a:cs typeface="Arial" panose="020B0604020202020204" pitchFamily="34" charset="0"/>
+              </a:rPr>
               <a:t>psicológico</a:t>
             </a:r>
             <a:r>
-              <a:rPr lang="pt-BR" dirty="0"/>
+              <a:rPr lang="pt-BR" dirty="0">
+                <a:latin typeface="Arial" panose="020B0604020202020204" pitchFamily="34" charset="0"/>
+                <a:cs typeface="Arial" panose="020B0604020202020204" pitchFamily="34" charset="0"/>
+              </a:rPr>
               <a:t>: O consumismo pode alimentar sentimentos de insatisfação e inadequação, </a:t>
             </a:r>
             <a:r>
-              <a:rPr lang="pt-BR" dirty="0" smtClean="0"/>
+              <a:rPr lang="pt-BR" dirty="0" smtClean="0">
+                <a:latin typeface="Arial" panose="020B0604020202020204" pitchFamily="34" charset="0"/>
+                <a:cs typeface="Arial" panose="020B0604020202020204" pitchFamily="34" charset="0"/>
+              </a:rPr>
               <a:t>muitas pessoas sentem uma enorme necessidade de gastar para aliviar o sentimento de insatisfação ou insuficiência.</a:t>
             </a:r>
           </a:p>
           <a:p>
             <a:r>
-              <a:rPr lang="pt-BR" b="1" dirty="0"/>
+              <a:rPr lang="pt-BR" b="1" dirty="0">
+                <a:latin typeface="Arial" panose="020B0604020202020204" pitchFamily="34" charset="0"/>
+                <a:cs typeface="Arial" panose="020B0604020202020204" pitchFamily="34" charset="0"/>
+              </a:rPr>
               <a:t>ambiental</a:t>
             </a:r>
             <a:r>
-              <a:rPr lang="pt-BR" dirty="0"/>
-              <a:t>: O consumo desenfreado resulta em uma demanda crescente por recursos naturais, levando à exploração excessiva </a:t>
-            </a:r>
-            <a:r>
-              <a:rPr lang="pt-BR" dirty="0"/>
-              <a:t> </a:t>
-            </a:r>
-            <a:r>
-              <a:rPr lang="pt-BR" dirty="0" smtClean="0"/>
+              <a:rPr lang="pt-BR" dirty="0">
+                <a:latin typeface="Arial" panose="020B0604020202020204" pitchFamily="34" charset="0"/>
+                <a:cs typeface="Arial" panose="020B0604020202020204" pitchFamily="34" charset="0"/>
+              </a:rPr>
+              <a:t>: O consumo desenfreado resulta em uma demanda crescente por recursos naturais, levando à exploração excessiva  </a:t>
+            </a:r>
+            <a:r>
+              <a:rPr lang="pt-BR" dirty="0" smtClean="0">
+                <a:latin typeface="Arial" panose="020B0604020202020204" pitchFamily="34" charset="0"/>
+                <a:cs typeface="Arial" panose="020B0604020202020204" pitchFamily="34" charset="0"/>
+              </a:rPr>
               <a:t>desses </a:t>
             </a:r>
             <a:r>
-              <a:rPr lang="pt-BR" dirty="0"/>
+              <a:rPr lang="pt-BR" dirty="0">
+                <a:latin typeface="Arial" panose="020B0604020202020204" pitchFamily="34" charset="0"/>
+                <a:cs typeface="Arial" panose="020B0604020202020204" pitchFamily="34" charset="0"/>
+              </a:rPr>
               <a:t>recursos, poluição e degradação ambiental</a:t>
             </a:r>
             <a:r>
-              <a:rPr lang="pt-BR" dirty="0" smtClean="0"/>
+              <a:rPr lang="pt-BR" dirty="0" smtClean="0">
+                <a:latin typeface="Arial" panose="020B0604020202020204" pitchFamily="34" charset="0"/>
+                <a:cs typeface="Arial" panose="020B0604020202020204" pitchFamily="34" charset="0"/>
+              </a:rPr>
               <a:t>. </a:t>
             </a:r>
             <a:r>
-              <a:rPr lang="pt-BR" dirty="0" err="1" smtClean="0"/>
+              <a:rPr lang="pt-BR" dirty="0" err="1" smtClean="0">
+                <a:latin typeface="Arial" panose="020B0604020202020204" pitchFamily="34" charset="0"/>
+                <a:cs typeface="Arial" panose="020B0604020202020204" pitchFamily="34" charset="0"/>
+              </a:rPr>
               <a:t>Ex</a:t>
             </a:r>
             <a:r>
-              <a:rPr lang="pt-BR" dirty="0" smtClean="0"/>
+              <a:rPr lang="pt-BR" dirty="0" smtClean="0">
+                <a:latin typeface="Arial" panose="020B0604020202020204" pitchFamily="34" charset="0"/>
+                <a:cs typeface="Arial" panose="020B0604020202020204" pitchFamily="34" charset="0"/>
+              </a:rPr>
               <a:t>: Produção </a:t>
             </a:r>
             <a:r>
-              <a:rPr lang="pt-BR" dirty="0"/>
+              <a:rPr lang="pt-BR" dirty="0">
+                <a:latin typeface="Arial" panose="020B0604020202020204" pitchFamily="34" charset="0"/>
+                <a:cs typeface="Arial" panose="020B0604020202020204" pitchFamily="34" charset="0"/>
+              </a:rPr>
               <a:t>de Resíduos</a:t>
             </a:r>
             <a:r>
-              <a:rPr lang="pt-BR" dirty="0" smtClean="0"/>
+              <a:rPr lang="pt-BR" dirty="0" smtClean="0">
+                <a:latin typeface="Arial" panose="020B0604020202020204" pitchFamily="34" charset="0"/>
+                <a:cs typeface="Arial" panose="020B0604020202020204" pitchFamily="34" charset="0"/>
+              </a:rPr>
               <a:t>: grandes quantidades de   </a:t>
             </a:r>
             <a:r>
-              <a:rPr lang="pt-BR" dirty="0"/>
+              <a:rPr lang="pt-BR" dirty="0">
+                <a:latin typeface="Arial" panose="020B0604020202020204" pitchFamily="34" charset="0"/>
+                <a:cs typeface="Arial" panose="020B0604020202020204" pitchFamily="34" charset="0"/>
+              </a:rPr>
               <a:t>embalagens </a:t>
             </a:r>
             <a:r>
-              <a:rPr lang="pt-BR" dirty="0" smtClean="0"/>
+              <a:rPr lang="pt-BR" dirty="0" smtClean="0">
+                <a:latin typeface="Arial" panose="020B0604020202020204" pitchFamily="34" charset="0"/>
+                <a:cs typeface="Arial" panose="020B0604020202020204" pitchFamily="34" charset="0"/>
+              </a:rPr>
               <a:t>descartáveis e </a:t>
             </a:r>
             <a:r>
-              <a:rPr lang="pt-BR" dirty="0"/>
+              <a:rPr lang="pt-BR" dirty="0">
+                <a:latin typeface="Arial" panose="020B0604020202020204" pitchFamily="34" charset="0"/>
+                <a:cs typeface="Arial" panose="020B0604020202020204" pitchFamily="34" charset="0"/>
+              </a:rPr>
               <a:t>produtos </a:t>
             </a:r>
             <a:r>
-              <a:rPr lang="pt-BR" dirty="0" smtClean="0"/>
+              <a:rPr lang="pt-BR" dirty="0" smtClean="0">
+                <a:latin typeface="Arial" panose="020B0604020202020204" pitchFamily="34" charset="0"/>
+                <a:cs typeface="Arial" panose="020B0604020202020204" pitchFamily="34" charset="0"/>
+              </a:rPr>
               <a:t>eletrônicos.</a:t>
             </a:r>
-            <a:endParaRPr lang="pt-BR" dirty="0"/>
+            <a:endParaRPr lang="pt-BR" dirty="0">
+              <a:latin typeface="Arial" panose="020B0604020202020204" pitchFamily="34" charset="0"/>
+              <a:cs typeface="Arial" panose="020B0604020202020204" pitchFamily="34" charset="0"/>
+            </a:endParaRPr>
           </a:p>
         </p:txBody>
       </p:sp>
@@ -13687,10 +13901,15 @@
             <a:spLocks noGrp="1"/>
           </p:cNvSpPr>
           <p:nvPr>
-            <p:ph type="title"/>
+            <p:ph type="ctrTitle"/>
           </p:nvPr>
         </p:nvSpPr>
-        <p:spPr/>
+        <p:spPr>
+          <a:xfrm>
+            <a:off x="768589" y="876240"/>
+            <a:ext cx="8825658" cy="707861"/>
+          </a:xfrm>
+        </p:spPr>
         <p:txBody>
           <a:bodyPr/>
           <a:lstStyle/>
@@ -13710,25 +13929,50 @@
             <a:spLocks noGrp="1"/>
           </p:cNvSpPr>
           <p:nvPr>
-            <p:ph idx="1"/>
+            <p:ph type="subTitle" idx="1"/>
           </p:nvPr>
         </p:nvSpPr>
-        <p:spPr/>
+        <p:spPr>
+          <a:xfrm>
+            <a:off x="1154955" y="1468192"/>
+            <a:ext cx="8825658" cy="4170608"/>
+          </a:xfrm>
+        </p:spPr>
         <p:txBody>
-          <a:bodyPr/>
+          <a:bodyPr>
+            <a:normAutofit/>
+          </a:bodyPr>
           <a:lstStyle/>
           <a:p>
             <a:r>
-              <a:rPr lang="pt-BR" dirty="0" smtClean="0"/>
+              <a:rPr lang="pt-BR" dirty="0" smtClean="0">
+                <a:solidFill>
+                  <a:schemeClr val="bg1"/>
+                </a:solidFill>
+                <a:latin typeface="Arial" panose="020B0604020202020204" pitchFamily="34" charset="0"/>
+                <a:cs typeface="Arial" panose="020B0604020202020204" pitchFamily="34" charset="0"/>
+              </a:rPr>
               <a:t>A internet vive bombardeando os jovens de todas as idades com propagandas, anúncios e varias outras fontes de compra,  para tentar leva-los a acreditar que sem determinado produto ele não será feliz de verdade, ou que se ele não comprar tal coisa ele é ultrapassado, ou que não vai ser aceito na sociedade.</a:t>
             </a:r>
           </a:p>
           <a:p>
             <a:r>
-              <a:rPr lang="pt-BR" dirty="0" smtClean="0"/>
+              <a:rPr lang="pt-BR" dirty="0" smtClean="0">
+                <a:solidFill>
+                  <a:schemeClr val="bg1"/>
+                </a:solidFill>
+                <a:latin typeface="Arial" panose="020B0604020202020204" pitchFamily="34" charset="0"/>
+                <a:cs typeface="Arial" panose="020B0604020202020204" pitchFamily="34" charset="0"/>
+              </a:rPr>
               <a:t>Isso aumenta a ansiedade dos jovens levando eles a acreditarem que vão ser zoados pelos amigos deles, ou que não vão ser aceitos pelas pessoas, isso também faz com que acreditem que a vida deles é chata, ou que não tem dinheiro para nada e que se tivesse jeito ele até trocaria de família.</a:t>
             </a:r>
-            <a:endParaRPr lang="pt-BR" dirty="0"/>
+            <a:endParaRPr lang="pt-BR" dirty="0">
+              <a:solidFill>
+                <a:schemeClr val="bg1"/>
+              </a:solidFill>
+              <a:latin typeface="Arial" panose="020B0604020202020204" pitchFamily="34" charset="0"/>
+              <a:cs typeface="Arial" panose="020B0604020202020204" pitchFamily="34" charset="0"/>
+            </a:endParaRPr>
           </a:p>
         </p:txBody>
       </p:sp>
@@ -14100,11 +14344,7 @@
             </a:r>
             <a:r>
               <a:rPr lang="pt-BR"/>
-              <a:t> Adquirir conhecimento sobre finanças pessoais, aprender sobre os impactos do consumismo e compartilhar esse conhecimento com </a:t>
-            </a:r>
-            <a:r>
-              <a:rPr lang="pt-BR"/>
-              <a:t>outras </a:t>
+              <a:t> Adquirir conhecimento sobre finanças pessoais, aprender sobre os impactos do consumismo e compartilhar esse conhecimento com outras </a:t>
             </a:r>
             <a:r>
               <a:rPr lang="pt-BR" smtClean="0"/>
